--- a/App pages PPT.pptx
+++ b/App pages PPT.pptx
@@ -6,13 +6,14 @@
   </p:sldMasterIdLst>
   <p:sldIdLst>
     <p:sldId id="260" r:id="rId2"/>
-    <p:sldId id="258" r:id="rId3"/>
-    <p:sldId id="265" r:id="rId4"/>
-    <p:sldId id="259" r:id="rId5"/>
-    <p:sldId id="263" r:id="rId6"/>
-    <p:sldId id="261" r:id="rId7"/>
-    <p:sldId id="264" r:id="rId8"/>
-    <p:sldId id="266" r:id="rId9"/>
+    <p:sldId id="267" r:id="rId3"/>
+    <p:sldId id="258" r:id="rId4"/>
+    <p:sldId id="265" r:id="rId5"/>
+    <p:sldId id="259" r:id="rId6"/>
+    <p:sldId id="263" r:id="rId7"/>
+    <p:sldId id="261" r:id="rId8"/>
+    <p:sldId id="264" r:id="rId9"/>
+    <p:sldId id="266" r:id="rId10"/>
   </p:sldIdLst>
   <p:sldSz cx="12192000" cy="6858000"/>
   <p:notesSz cx="6858000" cy="9144000"/>
@@ -111,13 +112,18 @@
       </a:defRPr>
     </a:lvl9pPr>
   </p:defaultTextStyle>
+  <p:extLst>
+    <p:ext uri="{EFAFB233-063F-42B5-8137-9DF3F51BA10A}">
+      <p15:sldGuideLst xmlns:p15="http://schemas.microsoft.com/office/powerpoint/2012/main"/>
+    </p:ext>
+  </p:extLst>
 </p:presentation>
 </file>
 
 <file path=ppt/revisionInfo.xml><?xml version="1.0" encoding="utf-8"?>
 <p1510:revInfo xmlns:a="http://schemas.openxmlformats.org/drawingml/2006/main" xmlns:r="http://schemas.openxmlformats.org/officeDocument/2006/relationships" xmlns:p1510="http://schemas.microsoft.com/office/powerpoint/2015/10/main">
   <p1510:revLst>
-    <p1510:client id="{EC5D16BF-9B31-48D0-BD65-1D1CDB1076A7}" v="30" dt="2024-12-06T13:46:19.093"/>
+    <p1510:client id="{EC5D16BF-9B31-48D0-BD65-1D1CDB1076A7}" v="34" dt="2024-12-11T20:22:02.758"/>
   </p1510:revLst>
 </p1510:revInfo>
 </file>
@@ -127,18 +133,49 @@
   <pc:docChgLst>
     <pc:chgData name="Nilina Rose Sony" userId="3db22554c12960ac" providerId="LiveId" clId="{EC5D16BF-9B31-48D0-BD65-1D1CDB1076A7}"/>
     <pc:docChg chg="undo custSel addSld modSld">
-      <pc:chgData name="Nilina Rose Sony" userId="3db22554c12960ac" providerId="LiveId" clId="{EC5D16BF-9B31-48D0-BD65-1D1CDB1076A7}" dt="2024-12-06T13:46:09.847" v="294"/>
+      <pc:chgData name="Nilina Rose Sony" userId="3db22554c12960ac" providerId="LiveId" clId="{EC5D16BF-9B31-48D0-BD65-1D1CDB1076A7}" dt="2024-12-11T20:23:09.097" v="419" actId="14100"/>
       <pc:docMkLst>
         <pc:docMk/>
       </pc:docMkLst>
+      <pc:sldChg chg="modSp mod">
+        <pc:chgData name="Nilina Rose Sony" userId="3db22554c12960ac" providerId="LiveId" clId="{EC5D16BF-9B31-48D0-BD65-1D1CDB1076A7}" dt="2024-12-11T20:10:01.432" v="317" actId="14100"/>
+        <pc:sldMkLst>
+          <pc:docMk/>
+          <pc:sldMk cId="17480005" sldId="260"/>
+        </pc:sldMkLst>
+        <pc:spChg chg="mod">
+          <ac:chgData name="Nilina Rose Sony" userId="3db22554c12960ac" providerId="LiveId" clId="{EC5D16BF-9B31-48D0-BD65-1D1CDB1076A7}" dt="2024-12-11T20:09:30.815" v="307" actId="20577"/>
+          <ac:spMkLst>
+            <pc:docMk/>
+            <pc:sldMk cId="17480005" sldId="260"/>
+            <ac:spMk id="5" creationId="{7DE12299-AD85-77AC-D6D0-E50F54FC64FF}"/>
+          </ac:spMkLst>
+        </pc:spChg>
+        <pc:spChg chg="mod">
+          <ac:chgData name="Nilina Rose Sony" userId="3db22554c12960ac" providerId="LiveId" clId="{EC5D16BF-9B31-48D0-BD65-1D1CDB1076A7}" dt="2024-12-11T20:10:01.432" v="317" actId="14100"/>
+          <ac:spMkLst>
+            <pc:docMk/>
+            <pc:sldMk cId="17480005" sldId="260"/>
+            <ac:spMk id="9" creationId="{0E23C5BB-CB02-B18E-3068-FE71F133B325}"/>
+          </ac:spMkLst>
+        </pc:spChg>
+      </pc:sldChg>
       <pc:sldChg chg="addSp modSp mod">
-        <pc:chgData name="Nilina Rose Sony" userId="3db22554c12960ac" providerId="LiveId" clId="{EC5D16BF-9B31-48D0-BD65-1D1CDB1076A7}" dt="2024-12-06T13:13:42.742" v="2" actId="164"/>
+        <pc:chgData name="Nilina Rose Sony" userId="3db22554c12960ac" providerId="LiveId" clId="{EC5D16BF-9B31-48D0-BD65-1D1CDB1076A7}" dt="2024-12-11T20:23:09.097" v="419" actId="14100"/>
         <pc:sldMkLst>
           <pc:docMk/>
           <pc:sldMk cId="2678787901" sldId="263"/>
         </pc:sldMkLst>
+        <pc:spChg chg="add mod">
+          <ac:chgData name="Nilina Rose Sony" userId="3db22554c12960ac" providerId="LiveId" clId="{EC5D16BF-9B31-48D0-BD65-1D1CDB1076A7}" dt="2024-12-11T20:23:03.577" v="418" actId="1076"/>
+          <ac:spMkLst>
+            <pc:docMk/>
+            <pc:sldMk cId="2678787901" sldId="263"/>
+            <ac:spMk id="2" creationId="{EA206955-16D3-F6B4-DCF7-7CE0CAD41EE2}"/>
+          </ac:spMkLst>
+        </pc:spChg>
         <pc:spChg chg="mod">
-          <ac:chgData name="Nilina Rose Sony" userId="3db22554c12960ac" providerId="LiveId" clId="{EC5D16BF-9B31-48D0-BD65-1D1CDB1076A7}" dt="2024-12-06T13:13:42.742" v="2" actId="164"/>
+          <ac:chgData name="Nilina Rose Sony" userId="3db22554c12960ac" providerId="LiveId" clId="{EC5D16BF-9B31-48D0-BD65-1D1CDB1076A7}" dt="2024-12-11T20:21:35.988" v="395" actId="20577"/>
           <ac:spMkLst>
             <pc:docMk/>
             <pc:sldMk cId="2678787901" sldId="263"/>
@@ -146,7 +183,7 @@
           </ac:spMkLst>
         </pc:spChg>
         <pc:spChg chg="mod">
-          <ac:chgData name="Nilina Rose Sony" userId="3db22554c12960ac" providerId="LiveId" clId="{EC5D16BF-9B31-48D0-BD65-1D1CDB1076A7}" dt="2024-12-06T13:13:42.742" v="2" actId="164"/>
+          <ac:chgData name="Nilina Rose Sony" userId="3db22554c12960ac" providerId="LiveId" clId="{EC5D16BF-9B31-48D0-BD65-1D1CDB1076A7}" dt="2024-12-11T20:09:24.427" v="303" actId="20577"/>
           <ac:spMkLst>
             <pc:docMk/>
             <pc:sldMk cId="2678787901" sldId="263"/>
@@ -201,6 +238,22 @@
             <ac:grpSpMk id="38" creationId="{76768AD6-B50E-611A-93B5-9DDAF33E78E5}"/>
           </ac:grpSpMkLst>
         </pc:grpChg>
+        <pc:graphicFrameChg chg="mod modGraphic">
+          <ac:chgData name="Nilina Rose Sony" userId="3db22554c12960ac" providerId="LiveId" clId="{EC5D16BF-9B31-48D0-BD65-1D1CDB1076A7}" dt="2024-12-11T20:23:09.097" v="419" actId="14100"/>
+          <ac:graphicFrameMkLst>
+            <pc:docMk/>
+            <pc:sldMk cId="2678787901" sldId="263"/>
+            <ac:graphicFrameMk id="22" creationId="{2225BD98-32DA-6473-D2CC-FD7A726B5224}"/>
+          </ac:graphicFrameMkLst>
+        </pc:graphicFrameChg>
+        <pc:cxnChg chg="mod">
+          <ac:chgData name="Nilina Rose Sony" userId="3db22554c12960ac" providerId="LiveId" clId="{EC5D16BF-9B31-48D0-BD65-1D1CDB1076A7}" dt="2024-12-11T20:21:07.601" v="394" actId="1076"/>
+          <ac:cxnSpMkLst>
+            <pc:docMk/>
+            <pc:sldMk cId="2678787901" sldId="263"/>
+            <ac:cxnSpMk id="21" creationId="{4A821BEF-9B3B-D04F-8C5D-37B5FAB6CCE4}"/>
+          </ac:cxnSpMkLst>
+        </pc:cxnChg>
       </pc:sldChg>
       <pc:sldChg chg="addSp delSp modSp mod">
         <pc:chgData name="Nilina Rose Sony" userId="3db22554c12960ac" providerId="LiveId" clId="{EC5D16BF-9B31-48D0-BD65-1D1CDB1076A7}" dt="2024-12-06T13:46:03.232" v="292" actId="22"/>
@@ -679,6 +732,157 @@
           </ac:spMkLst>
         </pc:spChg>
       </pc:sldChg>
+      <pc:sldChg chg="addSp delSp modSp new mod">
+        <pc:chgData name="Nilina Rose Sony" userId="3db22554c12960ac" providerId="LiveId" clId="{EC5D16BF-9B31-48D0-BD65-1D1CDB1076A7}" dt="2024-12-11T20:20:12.838" v="393" actId="478"/>
+        <pc:sldMkLst>
+          <pc:docMk/>
+          <pc:sldMk cId="3734762371" sldId="267"/>
+        </pc:sldMkLst>
+        <pc:spChg chg="add mod">
+          <ac:chgData name="Nilina Rose Sony" userId="3db22554c12960ac" providerId="LiveId" clId="{EC5D16BF-9B31-48D0-BD65-1D1CDB1076A7}" dt="2024-12-11T20:14:03.507" v="332" actId="1076"/>
+          <ac:spMkLst>
+            <pc:docMk/>
+            <pc:sldMk cId="3734762371" sldId="267"/>
+            <ac:spMk id="2" creationId="{AA276407-4F08-B17A-40AE-8FB9DE48A579}"/>
+          </ac:spMkLst>
+        </pc:spChg>
+        <pc:spChg chg="mod">
+          <ac:chgData name="Nilina Rose Sony" userId="3db22554c12960ac" providerId="LiveId" clId="{EC5D16BF-9B31-48D0-BD65-1D1CDB1076A7}" dt="2024-12-11T20:16:42.710" v="358" actId="1076"/>
+          <ac:spMkLst>
+            <pc:docMk/>
+            <pc:sldMk cId="3734762371" sldId="267"/>
+            <ac:spMk id="5" creationId="{C2BFB9EF-E628-B55C-26EC-2F6269E76EDE}"/>
+          </ac:spMkLst>
+        </pc:spChg>
+        <pc:spChg chg="mod">
+          <ac:chgData name="Nilina Rose Sony" userId="3db22554c12960ac" providerId="LiveId" clId="{EC5D16BF-9B31-48D0-BD65-1D1CDB1076A7}" dt="2024-12-11T20:16:08.377" v="353" actId="1076"/>
+          <ac:spMkLst>
+            <pc:docMk/>
+            <pc:sldMk cId="3734762371" sldId="267"/>
+            <ac:spMk id="6" creationId="{1D7EFE1A-A39E-2848-9AF7-82FD0498503B}"/>
+          </ac:spMkLst>
+        </pc:spChg>
+        <pc:spChg chg="mod">
+          <ac:chgData name="Nilina Rose Sony" userId="3db22554c12960ac" providerId="LiveId" clId="{EC5D16BF-9B31-48D0-BD65-1D1CDB1076A7}" dt="2024-12-11T20:17:06.647" v="370" actId="14100"/>
+          <ac:spMkLst>
+            <pc:docMk/>
+            <pc:sldMk cId="3734762371" sldId="267"/>
+            <ac:spMk id="7" creationId="{77E3083A-285D-F7D3-9038-83D801F38C55}"/>
+          </ac:spMkLst>
+        </pc:spChg>
+        <pc:spChg chg="mod">
+          <ac:chgData name="Nilina Rose Sony" userId="3db22554c12960ac" providerId="LiveId" clId="{EC5D16BF-9B31-48D0-BD65-1D1CDB1076A7}" dt="2024-12-11T20:17:41.193" v="387" actId="20577"/>
+          <ac:spMkLst>
+            <pc:docMk/>
+            <pc:sldMk cId="3734762371" sldId="267"/>
+            <ac:spMk id="9" creationId="{FE551D0C-6255-FA53-2190-FCBE9F7B2DB9}"/>
+          </ac:spMkLst>
+        </pc:spChg>
+        <pc:spChg chg="mod">
+          <ac:chgData name="Nilina Rose Sony" userId="3db22554c12960ac" providerId="LiveId" clId="{EC5D16BF-9B31-48D0-BD65-1D1CDB1076A7}" dt="2024-12-11T20:16:57.001" v="364" actId="1076"/>
+          <ac:spMkLst>
+            <pc:docMk/>
+            <pc:sldMk cId="3734762371" sldId="267"/>
+            <ac:spMk id="10" creationId="{FF3865D6-C530-C237-DED5-EFC19A88B299}"/>
+          </ac:spMkLst>
+        </pc:spChg>
+        <pc:spChg chg="mod">
+          <ac:chgData name="Nilina Rose Sony" userId="3db22554c12960ac" providerId="LiveId" clId="{EC5D16BF-9B31-48D0-BD65-1D1CDB1076A7}" dt="2024-12-11T20:17:57.297" v="390" actId="6549"/>
+          <ac:spMkLst>
+            <pc:docMk/>
+            <pc:sldMk cId="3734762371" sldId="267"/>
+            <ac:spMk id="11" creationId="{A7BEDB31-C60D-12B3-581A-C472E2AEB549}"/>
+          </ac:spMkLst>
+        </pc:spChg>
+        <pc:spChg chg="mod">
+          <ac:chgData name="Nilina Rose Sony" userId="3db22554c12960ac" providerId="LiveId" clId="{EC5D16BF-9B31-48D0-BD65-1D1CDB1076A7}" dt="2024-12-11T20:14:18.879" v="333"/>
+          <ac:spMkLst>
+            <pc:docMk/>
+            <pc:sldMk cId="3734762371" sldId="267"/>
+            <ac:spMk id="12" creationId="{9EDEB824-01C3-6E80-1007-CB5896B8DABC}"/>
+          </ac:spMkLst>
+        </pc:spChg>
+        <pc:spChg chg="mod">
+          <ac:chgData name="Nilina Rose Sony" userId="3db22554c12960ac" providerId="LiveId" clId="{EC5D16BF-9B31-48D0-BD65-1D1CDB1076A7}" dt="2024-12-11T20:16:52.880" v="362" actId="1076"/>
+          <ac:spMkLst>
+            <pc:docMk/>
+            <pc:sldMk cId="3734762371" sldId="267"/>
+            <ac:spMk id="14" creationId="{FCF28F48-8C2A-7097-0B6A-0DC4C2976935}"/>
+          </ac:spMkLst>
+        </pc:spChg>
+        <pc:spChg chg="del mod">
+          <ac:chgData name="Nilina Rose Sony" userId="3db22554c12960ac" providerId="LiveId" clId="{EC5D16BF-9B31-48D0-BD65-1D1CDB1076A7}" dt="2024-12-11T20:20:09.147" v="392" actId="478"/>
+          <ac:spMkLst>
+            <pc:docMk/>
+            <pc:sldMk cId="3734762371" sldId="267"/>
+            <ac:spMk id="15" creationId="{A879549B-9FBB-BE76-0999-56020CAA4F69}"/>
+          </ac:spMkLst>
+        </pc:spChg>
+        <pc:spChg chg="del mod">
+          <ac:chgData name="Nilina Rose Sony" userId="3db22554c12960ac" providerId="LiveId" clId="{EC5D16BF-9B31-48D0-BD65-1D1CDB1076A7}" dt="2024-12-11T20:20:12.838" v="393" actId="478"/>
+          <ac:spMkLst>
+            <pc:docMk/>
+            <pc:sldMk cId="3734762371" sldId="267"/>
+            <ac:spMk id="16" creationId="{AC85F6F1-A62F-1B00-FE46-61C4DFF2893E}"/>
+          </ac:spMkLst>
+        </pc:spChg>
+        <pc:spChg chg="del mod">
+          <ac:chgData name="Nilina Rose Sony" userId="3db22554c12960ac" providerId="LiveId" clId="{EC5D16BF-9B31-48D0-BD65-1D1CDB1076A7}" dt="2024-12-11T20:18:47.670" v="391" actId="478"/>
+          <ac:spMkLst>
+            <pc:docMk/>
+            <pc:sldMk cId="3734762371" sldId="267"/>
+            <ac:spMk id="17" creationId="{C1246756-CB6A-831D-B81D-EA4218EE4D23}"/>
+          </ac:spMkLst>
+        </pc:spChg>
+        <pc:spChg chg="del mod">
+          <ac:chgData name="Nilina Rose Sony" userId="3db22554c12960ac" providerId="LiveId" clId="{EC5D16BF-9B31-48D0-BD65-1D1CDB1076A7}" dt="2024-12-11T20:17:50.160" v="389" actId="478"/>
+          <ac:spMkLst>
+            <pc:docMk/>
+            <pc:sldMk cId="3734762371" sldId="267"/>
+            <ac:spMk id="18" creationId="{3774044F-0C13-2CD9-B393-F867B482B1AC}"/>
+          </ac:spMkLst>
+        </pc:spChg>
+        <pc:spChg chg="add mod">
+          <ac:chgData name="Nilina Rose Sony" userId="3db22554c12960ac" providerId="LiveId" clId="{EC5D16BF-9B31-48D0-BD65-1D1CDB1076A7}" dt="2024-12-11T20:17:33.802" v="375" actId="20577"/>
+          <ac:spMkLst>
+            <pc:docMk/>
+            <pc:sldMk cId="3734762371" sldId="267"/>
+            <ac:spMk id="21" creationId="{0FDAFA8C-7CE5-B3D3-893A-BF23C727ECF2}"/>
+          </ac:spMkLst>
+        </pc:spChg>
+        <pc:grpChg chg="add mod">
+          <ac:chgData name="Nilina Rose Sony" userId="3db22554c12960ac" providerId="LiveId" clId="{EC5D16BF-9B31-48D0-BD65-1D1CDB1076A7}" dt="2024-12-11T20:14:26.167" v="335" actId="1076"/>
+          <ac:grpSpMkLst>
+            <pc:docMk/>
+            <pc:sldMk cId="3734762371" sldId="267"/>
+            <ac:grpSpMk id="3" creationId="{D84DE36C-9C9E-3A5E-9AA7-0D63EE960E5D}"/>
+          </ac:grpSpMkLst>
+        </pc:grpChg>
+        <pc:grpChg chg="mod">
+          <ac:chgData name="Nilina Rose Sony" userId="3db22554c12960ac" providerId="LiveId" clId="{EC5D16BF-9B31-48D0-BD65-1D1CDB1076A7}" dt="2024-12-11T20:14:18.879" v="333"/>
+          <ac:grpSpMkLst>
+            <pc:docMk/>
+            <pc:sldMk cId="3734762371" sldId="267"/>
+            <ac:grpSpMk id="4" creationId="{C9BEE9C6-19B5-B2CD-EF7F-AFB260746782}"/>
+          </ac:grpSpMkLst>
+        </pc:grpChg>
+        <pc:grpChg chg="del mod">
+          <ac:chgData name="Nilina Rose Sony" userId="3db22554c12960ac" providerId="LiveId" clId="{EC5D16BF-9B31-48D0-BD65-1D1CDB1076A7}" dt="2024-12-11T20:20:12.838" v="393" actId="478"/>
+          <ac:grpSpMkLst>
+            <pc:docMk/>
+            <pc:sldMk cId="3734762371" sldId="267"/>
+            <ac:grpSpMk id="13" creationId="{6BDD8EBA-9514-2DB8-46FA-9F1F6569863D}"/>
+          </ac:grpSpMkLst>
+        </pc:grpChg>
+        <pc:cxnChg chg="mod">
+          <ac:chgData name="Nilina Rose Sony" userId="3db22554c12960ac" providerId="LiveId" clId="{EC5D16BF-9B31-48D0-BD65-1D1CDB1076A7}" dt="2024-12-11T20:16:57.001" v="364" actId="1076"/>
+          <ac:cxnSpMkLst>
+            <pc:docMk/>
+            <pc:sldMk cId="3734762371" sldId="267"/>
+            <ac:cxnSpMk id="8" creationId="{B695755A-44CD-CCCB-F3D5-ECCF43C918A7}"/>
+          </ac:cxnSpMkLst>
+        </pc:cxnChg>
+      </pc:sldChg>
     </pc:docChg>
   </pc:docChgLst>
 </pc:chgInfo>
@@ -833,7 +1037,7 @@
           <a:p>
             <a:fld id="{D01ECFBC-4541-449E-948D-28FA80B2CC97}" type="datetimeFigureOut">
               <a:rPr lang="en-IN" smtClean="0"/>
-              <a:t>06-12-2024</a:t>
+              <a:t>11-12-2024</a:t>
             </a:fld>
             <a:endParaRPr lang="en-IN"/>
           </a:p>
@@ -1033,7 +1237,7 @@
           <a:p>
             <a:fld id="{D01ECFBC-4541-449E-948D-28FA80B2CC97}" type="datetimeFigureOut">
               <a:rPr lang="en-IN" smtClean="0"/>
-              <a:t>06-12-2024</a:t>
+              <a:t>11-12-2024</a:t>
             </a:fld>
             <a:endParaRPr lang="en-IN"/>
           </a:p>
@@ -1243,7 +1447,7 @@
           <a:p>
             <a:fld id="{D01ECFBC-4541-449E-948D-28FA80B2CC97}" type="datetimeFigureOut">
               <a:rPr lang="en-IN" smtClean="0"/>
-              <a:t>06-12-2024</a:t>
+              <a:t>11-12-2024</a:t>
             </a:fld>
             <a:endParaRPr lang="en-IN"/>
           </a:p>
@@ -1443,7 +1647,7 @@
           <a:p>
             <a:fld id="{D01ECFBC-4541-449E-948D-28FA80B2CC97}" type="datetimeFigureOut">
               <a:rPr lang="en-IN" smtClean="0"/>
-              <a:t>06-12-2024</a:t>
+              <a:t>11-12-2024</a:t>
             </a:fld>
             <a:endParaRPr lang="en-IN"/>
           </a:p>
@@ -1719,7 +1923,7 @@
           <a:p>
             <a:fld id="{D01ECFBC-4541-449E-948D-28FA80B2CC97}" type="datetimeFigureOut">
               <a:rPr lang="en-IN" smtClean="0"/>
-              <a:t>06-12-2024</a:t>
+              <a:t>11-12-2024</a:t>
             </a:fld>
             <a:endParaRPr lang="en-IN"/>
           </a:p>
@@ -1987,7 +2191,7 @@
           <a:p>
             <a:fld id="{D01ECFBC-4541-449E-948D-28FA80B2CC97}" type="datetimeFigureOut">
               <a:rPr lang="en-IN" smtClean="0"/>
-              <a:t>06-12-2024</a:t>
+              <a:t>11-12-2024</a:t>
             </a:fld>
             <a:endParaRPr lang="en-IN"/>
           </a:p>
@@ -2402,7 +2606,7 @@
           <a:p>
             <a:fld id="{D01ECFBC-4541-449E-948D-28FA80B2CC97}" type="datetimeFigureOut">
               <a:rPr lang="en-IN" smtClean="0"/>
-              <a:t>06-12-2024</a:t>
+              <a:t>11-12-2024</a:t>
             </a:fld>
             <a:endParaRPr lang="en-IN"/>
           </a:p>
@@ -2544,7 +2748,7 @@
           <a:p>
             <a:fld id="{D01ECFBC-4541-449E-948D-28FA80B2CC97}" type="datetimeFigureOut">
               <a:rPr lang="en-IN" smtClean="0"/>
-              <a:t>06-12-2024</a:t>
+              <a:t>11-12-2024</a:t>
             </a:fld>
             <a:endParaRPr lang="en-IN"/>
           </a:p>
@@ -2657,7 +2861,7 @@
           <a:p>
             <a:fld id="{D01ECFBC-4541-449E-948D-28FA80B2CC97}" type="datetimeFigureOut">
               <a:rPr lang="en-IN" smtClean="0"/>
-              <a:t>06-12-2024</a:t>
+              <a:t>11-12-2024</a:t>
             </a:fld>
             <a:endParaRPr lang="en-IN"/>
           </a:p>
@@ -2970,7 +3174,7 @@
           <a:p>
             <a:fld id="{D01ECFBC-4541-449E-948D-28FA80B2CC97}" type="datetimeFigureOut">
               <a:rPr lang="en-IN" smtClean="0"/>
-              <a:t>06-12-2024</a:t>
+              <a:t>11-12-2024</a:t>
             </a:fld>
             <a:endParaRPr lang="en-IN"/>
           </a:p>
@@ -3259,7 +3463,7 @@
           <a:p>
             <a:fld id="{D01ECFBC-4541-449E-948D-28FA80B2CC97}" type="datetimeFigureOut">
               <a:rPr lang="en-IN" smtClean="0"/>
-              <a:t>06-12-2024</a:t>
+              <a:t>11-12-2024</a:t>
             </a:fld>
             <a:endParaRPr lang="en-IN"/>
           </a:p>
@@ -3502,7 +3706,7 @@
           <a:p>
             <a:fld id="{D01ECFBC-4541-449E-948D-28FA80B2CC97}" type="datetimeFigureOut">
               <a:rPr lang="en-IN" smtClean="0"/>
-              <a:t>06-12-2024</a:t>
+              <a:t>11-12-2024</a:t>
             </a:fld>
             <a:endParaRPr lang="en-IN"/>
           </a:p>
@@ -4039,7 +4243,7 @@
                 <a:pPr algn="ctr"/>
                 <a:r>
                   <a:rPr lang="en-IN" dirty="0"/>
-                  <a:t>Front PAGE(App Name instead)</a:t>
+                  <a:t>Home PAGE(App Name instead)</a:t>
                 </a:r>
               </a:p>
             </p:txBody>
@@ -4168,8 +4372,8 @@
               </p:nvSpPr>
               <p:spPr>
                 <a:xfrm>
-                  <a:off x="4545246" y="755897"/>
-                  <a:ext cx="894757" cy="796509"/>
+                  <a:off x="4296834" y="755897"/>
+                  <a:ext cx="1143169" cy="796509"/>
                 </a:xfrm>
                 <a:prstGeom prst="roundRect">
                   <a:avLst/>
@@ -4196,7 +4400,7 @@
                   <a:pPr algn="ctr"/>
                   <a:r>
                     <a:rPr lang="en-IN" dirty="0"/>
-                    <a:t>Home</a:t>
+                    <a:t>Dashboard</a:t>
                   </a:r>
                 </a:p>
               </p:txBody>
@@ -4586,6 +4790,566 @@
 </file>
 
 <file path=ppt/slides/slide2.xml><?xml version="1.0" encoding="utf-8"?>
+<p:sld xmlns:a="http://schemas.openxmlformats.org/drawingml/2006/main" xmlns:r="http://schemas.openxmlformats.org/officeDocument/2006/relationships" xmlns:p="http://schemas.openxmlformats.org/presentationml/2006/main">
+  <p:cSld>
+    <p:spTree>
+      <p:nvGrpSpPr>
+        <p:cNvPr id="1" name=""/>
+        <p:cNvGrpSpPr/>
+        <p:nvPr/>
+      </p:nvGrpSpPr>
+      <p:grpSpPr>
+        <a:xfrm>
+          <a:off x="0" y="0"/>
+          <a:ext cx="0" cy="0"/>
+          <a:chOff x="0" y="0"/>
+          <a:chExt cx="0" cy="0"/>
+        </a:xfrm>
+      </p:grpSpPr>
+      <p:sp>
+        <p:nvSpPr>
+          <p:cNvPr id="2" name="TextBox 1">
+            <a:extLst>
+              <a:ext uri="{FF2B5EF4-FFF2-40B4-BE49-F238E27FC236}">
+                <a16:creationId xmlns:a16="http://schemas.microsoft.com/office/drawing/2014/main" id="{AA276407-4F08-B17A-40AE-8FB9DE48A579}"/>
+              </a:ext>
+            </a:extLst>
+          </p:cNvPr>
+          <p:cNvSpPr txBox="1"/>
+          <p:nvPr/>
+        </p:nvSpPr>
+        <p:spPr>
+          <a:xfrm>
+            <a:off x="5202936" y="356616"/>
+            <a:ext cx="1566839" cy="369332"/>
+          </a:xfrm>
+          <a:prstGeom prst="rect">
+            <a:avLst/>
+          </a:prstGeom>
+          <a:noFill/>
+        </p:spPr>
+        <p:txBody>
+          <a:bodyPr wrap="none" rtlCol="0">
+            <a:spAutoFit/>
+          </a:bodyPr>
+          <a:lstStyle/>
+          <a:p>
+            <a:r>
+              <a:rPr lang="en-IN" dirty="0"/>
+              <a:t>Welcome Page</a:t>
+            </a:r>
+          </a:p>
+        </p:txBody>
+      </p:sp>
+      <p:grpSp>
+        <p:nvGrpSpPr>
+          <p:cNvPr id="3" name="Group 2">
+            <a:extLst>
+              <a:ext uri="{FF2B5EF4-FFF2-40B4-BE49-F238E27FC236}">
+                <a16:creationId xmlns:a16="http://schemas.microsoft.com/office/drawing/2014/main" id="{D84DE36C-9C9E-3A5E-9AA7-0D63EE960E5D}"/>
+              </a:ext>
+            </a:extLst>
+          </p:cNvPr>
+          <p:cNvGrpSpPr/>
+          <p:nvPr/>
+        </p:nvGrpSpPr>
+        <p:grpSpPr>
+          <a:xfrm>
+            <a:off x="1380744" y="822959"/>
+            <a:ext cx="9236202" cy="5605165"/>
+            <a:chOff x="1380744" y="292608"/>
+            <a:chExt cx="10029444" cy="6382298"/>
+          </a:xfrm>
+        </p:grpSpPr>
+        <p:grpSp>
+          <p:nvGrpSpPr>
+            <p:cNvPr id="4" name="Group 3">
+              <a:extLst>
+                <a:ext uri="{FF2B5EF4-FFF2-40B4-BE49-F238E27FC236}">
+                  <a16:creationId xmlns:a16="http://schemas.microsoft.com/office/drawing/2014/main" id="{C9BEE9C6-19B5-B2CD-EF7F-AFB260746782}"/>
+                </a:ext>
+              </a:extLst>
+            </p:cNvPr>
+            <p:cNvGrpSpPr/>
+            <p:nvPr/>
+          </p:nvGrpSpPr>
+          <p:grpSpPr>
+            <a:xfrm>
+              <a:off x="1380744" y="292608"/>
+              <a:ext cx="10029443" cy="6382298"/>
+              <a:chOff x="1380744" y="292608"/>
+              <a:chExt cx="10029443" cy="6382298"/>
+            </a:xfrm>
+          </p:grpSpPr>
+          <p:sp>
+            <p:nvSpPr>
+              <p:cNvPr id="10" name="Rectangle 9">
+                <a:extLst>
+                  <a:ext uri="{FF2B5EF4-FFF2-40B4-BE49-F238E27FC236}">
+                    <a16:creationId xmlns:a16="http://schemas.microsoft.com/office/drawing/2014/main" id="{FF3865D6-C530-C237-DED5-EFC19A88B299}"/>
+                  </a:ext>
+                </a:extLst>
+              </p:cNvPr>
+              <p:cNvSpPr/>
+              <p:nvPr/>
+            </p:nvSpPr>
+            <p:spPr>
+              <a:xfrm>
+                <a:off x="1380744" y="292608"/>
+                <a:ext cx="10029443" cy="6382298"/>
+              </a:xfrm>
+              <a:prstGeom prst="rect">
+                <a:avLst/>
+              </a:prstGeom>
+              <a:ln w="28575">
+                <a:solidFill>
+                  <a:schemeClr val="tx1"/>
+                </a:solidFill>
+              </a:ln>
+            </p:spPr>
+            <p:style>
+              <a:lnRef idx="2">
+                <a:schemeClr val="accent6"/>
+              </a:lnRef>
+              <a:fillRef idx="1">
+                <a:schemeClr val="lt1"/>
+              </a:fillRef>
+              <a:effectRef idx="0">
+                <a:schemeClr val="accent6"/>
+              </a:effectRef>
+              <a:fontRef idx="minor">
+                <a:schemeClr val="dk1"/>
+              </a:fontRef>
+            </p:style>
+            <p:txBody>
+              <a:bodyPr rtlCol="0" anchor="ctr"/>
+              <a:lstStyle/>
+              <a:p>
+                <a:pPr algn="ctr"/>
+                <a:endParaRPr lang="en-IN"/>
+              </a:p>
+            </p:txBody>
+          </p:sp>
+          <p:sp>
+            <p:nvSpPr>
+              <p:cNvPr id="11" name="TextBox 10">
+                <a:extLst>
+                  <a:ext uri="{FF2B5EF4-FFF2-40B4-BE49-F238E27FC236}">
+                    <a16:creationId xmlns:a16="http://schemas.microsoft.com/office/drawing/2014/main" id="{A7BEDB31-C60D-12B3-581A-C472E2AEB549}"/>
+                  </a:ext>
+                </a:extLst>
+              </p:cNvPr>
+              <p:cNvSpPr txBox="1"/>
+              <p:nvPr/>
+            </p:nvSpPr>
+            <p:spPr>
+              <a:xfrm>
+                <a:off x="5715670" y="5047114"/>
+                <a:ext cx="3719322" cy="420538"/>
+              </a:xfrm>
+              <a:prstGeom prst="rect">
+                <a:avLst/>
+              </a:prstGeom>
+              <a:noFill/>
+            </p:spPr>
+            <p:txBody>
+              <a:bodyPr wrap="square" rtlCol="0">
+                <a:spAutoFit/>
+              </a:bodyPr>
+              <a:lstStyle/>
+              <a:p>
+                <a:pPr algn="ctr"/>
+                <a:r>
+                  <a:rPr lang="en-IN" dirty="0"/>
+                  <a:t>)</a:t>
+                </a:r>
+              </a:p>
+            </p:txBody>
+          </p:sp>
+          <p:sp>
+            <p:nvSpPr>
+              <p:cNvPr id="12" name="TextBox 11">
+                <a:extLst>
+                  <a:ext uri="{FF2B5EF4-FFF2-40B4-BE49-F238E27FC236}">
+                    <a16:creationId xmlns:a16="http://schemas.microsoft.com/office/drawing/2014/main" id="{9EDEB824-01C3-6E80-1007-CB5896B8DABC}"/>
+                  </a:ext>
+                </a:extLst>
+              </p:cNvPr>
+              <p:cNvSpPr txBox="1"/>
+              <p:nvPr/>
+            </p:nvSpPr>
+            <p:spPr>
+              <a:xfrm>
+                <a:off x="8531352" y="5782672"/>
+                <a:ext cx="2441448" cy="369332"/>
+              </a:xfrm>
+              <a:prstGeom prst="rect">
+                <a:avLst/>
+              </a:prstGeom>
+              <a:noFill/>
+              <a:ln>
+                <a:solidFill>
+                  <a:schemeClr val="tx1"/>
+                </a:solidFill>
+                <a:prstDash val="sysDash"/>
+              </a:ln>
+            </p:spPr>
+            <p:txBody>
+              <a:bodyPr wrap="square" rtlCol="0">
+                <a:spAutoFit/>
+              </a:bodyPr>
+              <a:lstStyle/>
+              <a:p>
+                <a:r>
+                  <a:rPr lang="en-IN" dirty="0"/>
+                  <a:t>Image in </a:t>
+                </a:r>
+                <a:r>
+                  <a:rPr lang="en-IN" dirty="0" err="1"/>
+                  <a:t>bg</a:t>
+                </a:r>
+                <a:endParaRPr lang="en-IN" dirty="0"/>
+              </a:p>
+            </p:txBody>
+          </p:sp>
+          <p:sp>
+            <p:nvSpPr>
+              <p:cNvPr id="14" name="Rectangle: Rounded Corners 13">
+                <a:extLst>
+                  <a:ext uri="{FF2B5EF4-FFF2-40B4-BE49-F238E27FC236}">
+                    <a16:creationId xmlns:a16="http://schemas.microsoft.com/office/drawing/2014/main" id="{FCF28F48-8C2A-7097-0B6A-0DC4C2976935}"/>
+                  </a:ext>
+                </a:extLst>
+              </p:cNvPr>
+              <p:cNvSpPr/>
+              <p:nvPr/>
+            </p:nvSpPr>
+            <p:spPr>
+              <a:xfrm>
+                <a:off x="1945424" y="641355"/>
+                <a:ext cx="9262872" cy="878778"/>
+              </a:xfrm>
+              <a:prstGeom prst="roundRect">
+                <a:avLst/>
+              </a:prstGeom>
+            </p:spPr>
+            <p:style>
+              <a:lnRef idx="1">
+                <a:schemeClr val="accent5"/>
+              </a:lnRef>
+              <a:fillRef idx="2">
+                <a:schemeClr val="accent5"/>
+              </a:fillRef>
+              <a:effectRef idx="1">
+                <a:schemeClr val="accent5"/>
+              </a:effectRef>
+              <a:fontRef idx="minor">
+                <a:schemeClr val="dk1"/>
+              </a:fontRef>
+            </p:style>
+            <p:txBody>
+              <a:bodyPr rtlCol="0" anchor="ctr"/>
+              <a:lstStyle/>
+              <a:p>
+                <a:pPr algn="ctr"/>
+                <a:r>
+                  <a:rPr lang="en-IN" dirty="0"/>
+                  <a:t>Welcome!  </a:t>
+                </a:r>
+              </a:p>
+            </p:txBody>
+          </p:sp>
+        </p:grpSp>
+        <p:sp>
+          <p:nvSpPr>
+            <p:cNvPr id="5" name="Rectangle: Rounded Corners 4">
+              <a:extLst>
+                <a:ext uri="{FF2B5EF4-FFF2-40B4-BE49-F238E27FC236}">
+                  <a16:creationId xmlns:a16="http://schemas.microsoft.com/office/drawing/2014/main" id="{C2BFB9EF-E628-B55C-26EC-2F6269E76EDE}"/>
+                </a:ext>
+              </a:extLst>
+            </p:cNvPr>
+            <p:cNvSpPr/>
+            <p:nvPr/>
+          </p:nvSpPr>
+          <p:spPr>
+            <a:xfrm>
+              <a:off x="3194732" y="5418442"/>
+              <a:ext cx="1249305" cy="813110"/>
+            </a:xfrm>
+            <a:prstGeom prst="roundRect">
+              <a:avLst/>
+            </a:prstGeom>
+          </p:spPr>
+          <p:style>
+            <a:lnRef idx="2">
+              <a:schemeClr val="accent6"/>
+            </a:lnRef>
+            <a:fillRef idx="1">
+              <a:schemeClr val="lt1"/>
+            </a:fillRef>
+            <a:effectRef idx="0">
+              <a:schemeClr val="accent6"/>
+            </a:effectRef>
+            <a:fontRef idx="minor">
+              <a:schemeClr val="dk1"/>
+            </a:fontRef>
+          </p:style>
+          <p:txBody>
+            <a:bodyPr rtlCol="0" anchor="ctr"/>
+            <a:lstStyle/>
+            <a:p>
+              <a:pPr algn="ctr"/>
+              <a:r>
+                <a:rPr lang="en-IN" dirty="0"/>
+                <a:t>Contact Us</a:t>
+              </a:r>
+            </a:p>
+          </p:txBody>
+        </p:sp>
+        <p:sp>
+          <p:nvSpPr>
+            <p:cNvPr id="6" name="Rectangle: Rounded Corners 5">
+              <a:extLst>
+                <a:ext uri="{FF2B5EF4-FFF2-40B4-BE49-F238E27FC236}">
+                  <a16:creationId xmlns:a16="http://schemas.microsoft.com/office/drawing/2014/main" id="{1D7EFE1A-A39E-2848-9AF7-82FD0498503B}"/>
+                </a:ext>
+              </a:extLst>
+            </p:cNvPr>
+            <p:cNvSpPr/>
+            <p:nvPr/>
+          </p:nvSpPr>
+          <p:spPr>
+            <a:xfrm>
+              <a:off x="5441718" y="5492610"/>
+              <a:ext cx="1249305" cy="813110"/>
+            </a:xfrm>
+            <a:prstGeom prst="roundRect">
+              <a:avLst/>
+            </a:prstGeom>
+          </p:spPr>
+          <p:style>
+            <a:lnRef idx="2">
+              <a:schemeClr val="accent6"/>
+            </a:lnRef>
+            <a:fillRef idx="1">
+              <a:schemeClr val="lt1"/>
+            </a:fillRef>
+            <a:effectRef idx="0">
+              <a:schemeClr val="accent6"/>
+            </a:effectRef>
+            <a:fontRef idx="minor">
+              <a:schemeClr val="dk1"/>
+            </a:fontRef>
+          </p:style>
+          <p:txBody>
+            <a:bodyPr rtlCol="0" anchor="ctr"/>
+            <a:lstStyle/>
+            <a:p>
+              <a:pPr algn="ctr"/>
+              <a:r>
+                <a:rPr lang="en-IN" dirty="0"/>
+                <a:t>News</a:t>
+              </a:r>
+            </a:p>
+          </p:txBody>
+        </p:sp>
+        <p:sp>
+          <p:nvSpPr>
+            <p:cNvPr id="7" name="Rectangle: Rounded Corners 6">
+              <a:extLst>
+                <a:ext uri="{FF2B5EF4-FFF2-40B4-BE49-F238E27FC236}">
+                  <a16:creationId xmlns:a16="http://schemas.microsoft.com/office/drawing/2014/main" id="{77E3083A-285D-F7D3-9038-83D801F38C55}"/>
+                </a:ext>
+              </a:extLst>
+            </p:cNvPr>
+            <p:cNvSpPr/>
+            <p:nvPr/>
+          </p:nvSpPr>
+          <p:spPr>
+            <a:xfrm>
+              <a:off x="5968805" y="1729875"/>
+              <a:ext cx="1444436" cy="435753"/>
+            </a:xfrm>
+            <a:prstGeom prst="roundRect">
+              <a:avLst/>
+            </a:prstGeom>
+          </p:spPr>
+          <p:style>
+            <a:lnRef idx="2">
+              <a:schemeClr val="accent6"/>
+            </a:lnRef>
+            <a:fillRef idx="1">
+              <a:schemeClr val="lt1"/>
+            </a:fillRef>
+            <a:effectRef idx="0">
+              <a:schemeClr val="accent6"/>
+            </a:effectRef>
+            <a:fontRef idx="minor">
+              <a:schemeClr val="dk1"/>
+            </a:fontRef>
+          </p:style>
+          <p:txBody>
+            <a:bodyPr rtlCol="0" anchor="ctr"/>
+            <a:lstStyle/>
+            <a:p>
+              <a:pPr algn="ctr"/>
+              <a:r>
+                <a:rPr lang="en-IN" dirty="0"/>
+                <a:t>LOGO</a:t>
+              </a:r>
+            </a:p>
+          </p:txBody>
+        </p:sp>
+        <p:cxnSp>
+          <p:nvCxnSpPr>
+            <p:cNvPr id="8" name="Straight Connector 7">
+              <a:extLst>
+                <a:ext uri="{FF2B5EF4-FFF2-40B4-BE49-F238E27FC236}">
+                  <a16:creationId xmlns:a16="http://schemas.microsoft.com/office/drawing/2014/main" id="{B695755A-44CD-CCCB-F3D5-ECCF43C918A7}"/>
+                </a:ext>
+              </a:extLst>
+            </p:cNvPr>
+            <p:cNvCxnSpPr>
+              <a:cxnSpLocks/>
+              <a:stCxn id="10" idx="1"/>
+              <a:endCxn id="10" idx="3"/>
+            </p:cNvCxnSpPr>
+            <p:nvPr/>
+          </p:nvCxnSpPr>
+          <p:spPr>
+            <a:xfrm>
+              <a:off x="1380744" y="3483757"/>
+              <a:ext cx="10029444" cy="0"/>
+            </a:xfrm>
+            <a:prstGeom prst="line">
+              <a:avLst/>
+            </a:prstGeom>
+          </p:spPr>
+          <p:style>
+            <a:lnRef idx="1">
+              <a:schemeClr val="accent1"/>
+            </a:lnRef>
+            <a:fillRef idx="0">
+              <a:schemeClr val="accent1"/>
+            </a:fillRef>
+            <a:effectRef idx="0">
+              <a:schemeClr val="accent1"/>
+            </a:effectRef>
+            <a:fontRef idx="minor">
+              <a:schemeClr val="tx1"/>
+            </a:fontRef>
+          </p:style>
+        </p:cxnSp>
+        <p:sp>
+          <p:nvSpPr>
+            <p:cNvPr id="9" name="Rectangle: Rounded Corners 8">
+              <a:extLst>
+                <a:ext uri="{FF2B5EF4-FFF2-40B4-BE49-F238E27FC236}">
+                  <a16:creationId xmlns:a16="http://schemas.microsoft.com/office/drawing/2014/main" id="{FE551D0C-6255-FA53-2190-FCBE9F7B2DB9}"/>
+                </a:ext>
+              </a:extLst>
+            </p:cNvPr>
+            <p:cNvSpPr/>
+            <p:nvPr/>
+          </p:nvSpPr>
+          <p:spPr>
+            <a:xfrm>
+              <a:off x="2153921" y="2634729"/>
+              <a:ext cx="2878836" cy="472349"/>
+            </a:xfrm>
+            <a:prstGeom prst="roundRect">
+              <a:avLst/>
+            </a:prstGeom>
+          </p:spPr>
+          <p:style>
+            <a:lnRef idx="2">
+              <a:schemeClr val="accent6"/>
+            </a:lnRef>
+            <a:fillRef idx="1">
+              <a:schemeClr val="lt1"/>
+            </a:fillRef>
+            <a:effectRef idx="0">
+              <a:schemeClr val="accent6"/>
+            </a:effectRef>
+            <a:fontRef idx="minor">
+              <a:schemeClr val="dk1"/>
+            </a:fontRef>
+          </p:style>
+          <p:txBody>
+            <a:bodyPr rtlCol="0" anchor="ctr"/>
+            <a:lstStyle/>
+            <a:p>
+              <a:pPr algn="ctr"/>
+              <a:r>
+                <a:rPr lang="en-IN" dirty="0"/>
+                <a:t>Login</a:t>
+              </a:r>
+            </a:p>
+          </p:txBody>
+        </p:sp>
+      </p:grpSp>
+      <p:sp>
+        <p:nvSpPr>
+          <p:cNvPr id="21" name="Rectangle: Rounded Corners 20">
+            <a:extLst>
+              <a:ext uri="{FF2B5EF4-FFF2-40B4-BE49-F238E27FC236}">
+                <a16:creationId xmlns:a16="http://schemas.microsoft.com/office/drawing/2014/main" id="{0FDAFA8C-7CE5-B3D3-893A-BF23C727ECF2}"/>
+              </a:ext>
+            </a:extLst>
+          </p:cNvPr>
+          <p:cNvSpPr/>
+          <p:nvPr/>
+        </p:nvSpPr>
+        <p:spPr>
+          <a:xfrm>
+            <a:off x="7650722" y="2897037"/>
+            <a:ext cx="2651145" cy="414834"/>
+          </a:xfrm>
+          <a:prstGeom prst="roundRect">
+            <a:avLst/>
+          </a:prstGeom>
+        </p:spPr>
+        <p:style>
+          <a:lnRef idx="2">
+            <a:schemeClr val="accent6"/>
+          </a:lnRef>
+          <a:fillRef idx="1">
+            <a:schemeClr val="lt1"/>
+          </a:fillRef>
+          <a:effectRef idx="0">
+            <a:schemeClr val="accent6"/>
+          </a:effectRef>
+          <a:fontRef idx="minor">
+            <a:schemeClr val="dk1"/>
+          </a:fontRef>
+        </p:style>
+        <p:txBody>
+          <a:bodyPr rtlCol="0" anchor="ctr"/>
+          <a:lstStyle/>
+          <a:p>
+            <a:pPr algn="ctr"/>
+            <a:r>
+              <a:rPr lang="en-IN" dirty="0"/>
+              <a:t>Register</a:t>
+            </a:r>
+          </a:p>
+        </p:txBody>
+      </p:sp>
+    </p:spTree>
+    <p:extLst>
+      <p:ext uri="{BB962C8B-B14F-4D97-AF65-F5344CB8AC3E}">
+        <p14:creationId xmlns:p14="http://schemas.microsoft.com/office/powerpoint/2010/main" val="3734762371"/>
+      </p:ext>
+    </p:extLst>
+  </p:cSld>
+  <p:clrMapOvr>
+    <a:masterClrMapping/>
+  </p:clrMapOvr>
+</p:sld>
+</file>
+
+<file path=ppt/slides/slide3.xml><?xml version="1.0" encoding="utf-8"?>
 <p:sld xmlns:a="http://schemas.openxmlformats.org/drawingml/2006/main" xmlns:r="http://schemas.openxmlformats.org/officeDocument/2006/relationships" xmlns:p="http://schemas.openxmlformats.org/presentationml/2006/main">
   <p:cSld>
     <p:spTree>
@@ -5175,7 +5939,7 @@
 </p:sld>
 </file>
 
-<file path=ppt/slides/slide3.xml><?xml version="1.0" encoding="utf-8"?>
+<file path=ppt/slides/slide4.xml><?xml version="1.0" encoding="utf-8"?>
 <p:sld xmlns:a="http://schemas.openxmlformats.org/drawingml/2006/main" xmlns:r="http://schemas.openxmlformats.org/officeDocument/2006/relationships" xmlns:p="http://schemas.openxmlformats.org/presentationml/2006/main">
   <p:cSld>
     <p:spTree>
@@ -6466,7 +7230,7 @@
 </p:sld>
 </file>
 
-<file path=ppt/slides/slide4.xml><?xml version="1.0" encoding="utf-8"?>
+<file path=ppt/slides/slide5.xml><?xml version="1.0" encoding="utf-8"?>
 <p:sld xmlns:a="http://schemas.openxmlformats.org/drawingml/2006/main" xmlns:r="http://schemas.openxmlformats.org/officeDocument/2006/relationships" xmlns:p="http://schemas.openxmlformats.org/presentationml/2006/main">
   <p:cSld>
     <p:spTree>
@@ -6590,7 +7354,7 @@
 </p:sld>
 </file>
 
-<file path=ppt/slides/slide5.xml><?xml version="1.0" encoding="utf-8"?>
+<file path=ppt/slides/slide6.xml><?xml version="1.0" encoding="utf-8"?>
 <p:sld xmlns:a="http://schemas.openxmlformats.org/drawingml/2006/main" xmlns:r="http://schemas.openxmlformats.org/officeDocument/2006/relationships" xmlns:p="http://schemas.openxmlformats.org/presentationml/2006/main">
   <p:cSld>
     <p:spTree>
@@ -6678,7 +7442,10 @@
             <a:lstStyle/>
             <a:p>
               <a:pPr algn="ctr"/>
-              <a:endParaRPr lang="en-IN"/>
+              <a:r>
+                <a:rPr lang="en-IN" dirty="0"/>
+                <a:t>C</a:t>
+              </a:r>
             </a:p>
           </p:txBody>
         </p:sp>
@@ -6713,7 +7480,7 @@
               <a:pPr algn="ctr"/>
               <a:r>
                 <a:rPr lang="en-IN" dirty="0"/>
-                <a:t>Home PAGE(App icon)</a:t>
+                <a:t>Dashboard(App icon)</a:t>
               </a:r>
             </a:p>
           </p:txBody>
@@ -7153,7 +7920,7 @@
         </p:nvCxnSpPr>
         <p:spPr>
           <a:xfrm>
-            <a:off x="1173099" y="1218905"/>
+            <a:off x="1173099" y="1192289"/>
             <a:ext cx="10029444" cy="0"/>
           </a:xfrm>
           <a:prstGeom prst="line">
@@ -7190,14 +7957,14 @@
           <p:nvPr>
             <p:extLst>
               <p:ext uri="{D42A27DB-BD31-4B8C-83A1-F6EECF244321}">
-                <p14:modId xmlns:p14="http://schemas.microsoft.com/office/powerpoint/2010/main" val="1275286070"/>
+                <p14:modId xmlns:p14="http://schemas.microsoft.com/office/powerpoint/2010/main" val="2688299340"/>
               </p:ext>
             </p:extLst>
           </p:nvPr>
         </p:nvGraphicFramePr>
         <p:xfrm>
-          <a:off x="1741784" y="1461246"/>
-          <a:ext cx="2388542" cy="4365325"/>
+          <a:off x="1741784" y="1593751"/>
+          <a:ext cx="2388542" cy="4232819"/>
         </p:xfrm>
         <a:graphic>
           <a:graphicData uri="http://schemas.openxmlformats.org/drawingml/2006/table">
@@ -7214,7 +7981,7 @@
                   </a:extLst>
                 </a:gridCol>
               </a:tblGrid>
-              <a:tr h="931148">
+              <a:tr h="902884">
                 <a:tc>
                   <a:txBody>
                     <a:bodyPr/>
@@ -7274,7 +8041,7 @@
                   </a:ext>
                 </a:extLst>
               </a:tr>
-              <a:tr h="849296">
+              <a:tr h="823516">
                 <a:tc>
                   <a:txBody>
                     <a:bodyPr/>
@@ -7336,7 +8103,7 @@
                   </a:ext>
                 </a:extLst>
               </a:tr>
-              <a:tr h="849296">
+              <a:tr h="823516">
                 <a:tc>
                   <a:txBody>
                     <a:bodyPr/>
@@ -7398,7 +8165,7 @@
                   </a:ext>
                 </a:extLst>
               </a:tr>
-              <a:tr h="886289">
+              <a:tr h="859387">
                 <a:tc>
                   <a:txBody>
                     <a:bodyPr/>
@@ -7460,7 +8227,7 @@
                   </a:ext>
                 </a:extLst>
               </a:tr>
-              <a:tr h="849296">
+              <a:tr h="823516">
                 <a:tc>
                   <a:txBody>
                     <a:bodyPr/>
@@ -7571,6 +8338,41 @@
           </a:p>
         </p:txBody>
       </p:sp>
+      <p:sp>
+        <p:nvSpPr>
+          <p:cNvPr id="2" name="TextBox 1">
+            <a:extLst>
+              <a:ext uri="{FF2B5EF4-FFF2-40B4-BE49-F238E27FC236}">
+                <a16:creationId xmlns:a16="http://schemas.microsoft.com/office/drawing/2014/main" id="{EA206955-16D3-F6B4-DCF7-7CE0CAD41EE2}"/>
+              </a:ext>
+            </a:extLst>
+          </p:cNvPr>
+          <p:cNvSpPr txBox="1"/>
+          <p:nvPr/>
+        </p:nvSpPr>
+        <p:spPr>
+          <a:xfrm>
+            <a:off x="2226792" y="1179051"/>
+            <a:ext cx="1700784" cy="307777"/>
+          </a:xfrm>
+          <a:prstGeom prst="rect">
+            <a:avLst/>
+          </a:prstGeom>
+          <a:noFill/>
+        </p:spPr>
+        <p:txBody>
+          <a:bodyPr wrap="square" rtlCol="0">
+            <a:spAutoFit/>
+          </a:bodyPr>
+          <a:lstStyle/>
+          <a:p>
+            <a:r>
+              <a:rPr lang="en-IN" sz="1400" dirty="0"/>
+              <a:t>Collapse button</a:t>
+            </a:r>
+          </a:p>
+        </p:txBody>
+      </p:sp>
     </p:spTree>
     <p:extLst>
       <p:ext uri="{BB962C8B-B14F-4D97-AF65-F5344CB8AC3E}">
@@ -7584,7 +8386,7 @@
 </p:sld>
 </file>
 
-<file path=ppt/slides/slide6.xml><?xml version="1.0" encoding="utf-8"?>
+<file path=ppt/slides/slide7.xml><?xml version="1.0" encoding="utf-8"?>
 <p:sld xmlns:a="http://schemas.openxmlformats.org/drawingml/2006/main" xmlns:r="http://schemas.openxmlformats.org/officeDocument/2006/relationships" xmlns:p="http://schemas.openxmlformats.org/presentationml/2006/main">
   <p:cSld>
     <p:spTree>
@@ -7696,7 +8498,7 @@
 </p:sld>
 </file>
 
-<file path=ppt/slides/slide7.xml><?xml version="1.0" encoding="utf-8"?>
+<file path=ppt/slides/slide8.xml><?xml version="1.0" encoding="utf-8"?>
 <p:sld xmlns:a="http://schemas.openxmlformats.org/drawingml/2006/main" xmlns:r="http://schemas.openxmlformats.org/officeDocument/2006/relationships" xmlns:p="http://schemas.openxmlformats.org/presentationml/2006/main">
   <p:cSld>
     <p:spTree>
@@ -7726,7 +8528,7 @@
 </p:sld>
 </file>
 
-<file path=ppt/slides/slide8.xml><?xml version="1.0" encoding="utf-8"?>
+<file path=ppt/slides/slide9.xml><?xml version="1.0" encoding="utf-8"?>
 <p:sld xmlns:a="http://schemas.openxmlformats.org/drawingml/2006/main" xmlns:r="http://schemas.openxmlformats.org/officeDocument/2006/relationships" xmlns:p="http://schemas.openxmlformats.org/presentationml/2006/main">
   <p:cSld>
     <p:spTree>
